--- a/論文/発表用パワポ1.pptx
+++ b/論文/発表用パワポ1.pptx
@@ -292,7 +292,7 @@
           <a:p>
             <a:fld id="{C3857292-9951-4988-918A-7D6C62A13636}" type="datetimeFigureOut">
               <a:rPr kumimoji="1" lang="ja-JP" altLang="en-US" smtClean="0"/>
-              <a:t>2021/1/22</a:t>
+              <a:t>2021/1/25</a:t>
             </a:fld>
             <a:endParaRPr kumimoji="1" lang="ja-JP" altLang="en-US"/>
           </a:p>
@@ -494,7 +494,7 @@
           <a:p>
             <a:fld id="{C3857292-9951-4988-918A-7D6C62A13636}" type="datetimeFigureOut">
               <a:rPr kumimoji="1" lang="ja-JP" altLang="en-US" smtClean="0"/>
-              <a:t>2021/1/22</a:t>
+              <a:t>2021/1/25</a:t>
             </a:fld>
             <a:endParaRPr kumimoji="1" lang="ja-JP" altLang="en-US"/>
           </a:p>
@@ -706,7 +706,7 @@
           <a:p>
             <a:fld id="{C3857292-9951-4988-918A-7D6C62A13636}" type="datetimeFigureOut">
               <a:rPr kumimoji="1" lang="ja-JP" altLang="en-US" smtClean="0"/>
-              <a:t>2021/1/22</a:t>
+              <a:t>2021/1/25</a:t>
             </a:fld>
             <a:endParaRPr kumimoji="1" lang="ja-JP" altLang="en-US"/>
           </a:p>
@@ -908,7 +908,7 @@
           <a:p>
             <a:fld id="{C3857292-9951-4988-918A-7D6C62A13636}" type="datetimeFigureOut">
               <a:rPr kumimoji="1" lang="ja-JP" altLang="en-US" smtClean="0"/>
-              <a:t>2021/1/22</a:t>
+              <a:t>2021/1/25</a:t>
             </a:fld>
             <a:endParaRPr kumimoji="1" lang="ja-JP" altLang="en-US"/>
           </a:p>
@@ -1152,7 +1152,7 @@
           <a:p>
             <a:fld id="{C3857292-9951-4988-918A-7D6C62A13636}" type="datetimeFigureOut">
               <a:rPr kumimoji="1" lang="ja-JP" altLang="en-US" smtClean="0"/>
-              <a:t>2021/1/22</a:t>
+              <a:t>2021/1/25</a:t>
             </a:fld>
             <a:endParaRPr kumimoji="1" lang="ja-JP" altLang="en-US"/>
           </a:p>
@@ -1448,7 +1448,7 @@
           <a:p>
             <a:fld id="{C3857292-9951-4988-918A-7D6C62A13636}" type="datetimeFigureOut">
               <a:rPr kumimoji="1" lang="ja-JP" altLang="en-US" smtClean="0"/>
-              <a:t>2021/1/22</a:t>
+              <a:t>2021/1/25</a:t>
             </a:fld>
             <a:endParaRPr kumimoji="1" lang="ja-JP" altLang="en-US"/>
           </a:p>
@@ -1879,7 +1879,7 @@
           <a:p>
             <a:fld id="{C3857292-9951-4988-918A-7D6C62A13636}" type="datetimeFigureOut">
               <a:rPr kumimoji="1" lang="ja-JP" altLang="en-US" smtClean="0"/>
-              <a:t>2021/1/22</a:t>
+              <a:t>2021/1/25</a:t>
             </a:fld>
             <a:endParaRPr kumimoji="1" lang="ja-JP" altLang="en-US"/>
           </a:p>
@@ -1997,7 +1997,7 @@
           <a:p>
             <a:fld id="{C3857292-9951-4988-918A-7D6C62A13636}" type="datetimeFigureOut">
               <a:rPr kumimoji="1" lang="ja-JP" altLang="en-US" smtClean="0"/>
-              <a:t>2021/1/22</a:t>
+              <a:t>2021/1/25</a:t>
             </a:fld>
             <a:endParaRPr kumimoji="1" lang="ja-JP" altLang="en-US"/>
           </a:p>
@@ -2092,7 +2092,7 @@
           <a:p>
             <a:fld id="{C3857292-9951-4988-918A-7D6C62A13636}" type="datetimeFigureOut">
               <a:rPr kumimoji="1" lang="ja-JP" altLang="en-US" smtClean="0"/>
-              <a:t>2021/1/22</a:t>
+              <a:t>2021/1/25</a:t>
             </a:fld>
             <a:endParaRPr kumimoji="1" lang="ja-JP" altLang="en-US"/>
           </a:p>
@@ -2401,7 +2401,7 @@
           <a:p>
             <a:fld id="{C3857292-9951-4988-918A-7D6C62A13636}" type="datetimeFigureOut">
               <a:rPr kumimoji="1" lang="ja-JP" altLang="en-US" smtClean="0"/>
-              <a:t>2021/1/22</a:t>
+              <a:t>2021/1/25</a:t>
             </a:fld>
             <a:endParaRPr kumimoji="1" lang="ja-JP" altLang="en-US"/>
           </a:p>
@@ -2658,7 +2658,7 @@
           <a:p>
             <a:fld id="{C3857292-9951-4988-918A-7D6C62A13636}" type="datetimeFigureOut">
               <a:rPr kumimoji="1" lang="ja-JP" altLang="en-US" smtClean="0"/>
-              <a:t>2021/1/22</a:t>
+              <a:t>2021/1/25</a:t>
             </a:fld>
             <a:endParaRPr kumimoji="1" lang="ja-JP" altLang="en-US"/>
           </a:p>
@@ -2903,7 +2903,7 @@
           <a:p>
             <a:fld id="{C3857292-9951-4988-918A-7D6C62A13636}" type="datetimeFigureOut">
               <a:rPr kumimoji="1" lang="ja-JP" altLang="en-US" smtClean="0"/>
-              <a:t>2021/1/22</a:t>
+              <a:t>2021/1/25</a:t>
             </a:fld>
             <a:endParaRPr kumimoji="1" lang="ja-JP" altLang="en-US"/>
           </a:p>
@@ -3471,6 +3471,49 @@
           </a:p>
         </p:txBody>
       </p:sp>
+      <p:cxnSp>
+        <p:nvCxnSpPr>
+          <p:cNvPr id="4" name="直線コネクタ 3">
+            <a:extLst>
+              <a:ext uri="{FF2B5EF4-FFF2-40B4-BE49-F238E27FC236}">
+                <a16:creationId xmlns:a16="http://schemas.microsoft.com/office/drawing/2014/main" id="{4BABC187-0447-4B0A-9F31-8F836B9E40A5}"/>
+              </a:ext>
+            </a:extLst>
+          </p:cNvPr>
+          <p:cNvCxnSpPr>
+            <a:cxnSpLocks/>
+          </p:cNvCxnSpPr>
+          <p:nvPr/>
+        </p:nvCxnSpPr>
+        <p:spPr>
+          <a:xfrm>
+            <a:off x="628650" y="1671836"/>
+            <a:ext cx="7886700" cy="0"/>
+          </a:xfrm>
+          <a:prstGeom prst="line">
+            <a:avLst/>
+          </a:prstGeom>
+          <a:ln w="57150">
+            <a:solidFill>
+              <a:srgbClr val="FF0000"/>
+            </a:solidFill>
+          </a:ln>
+        </p:spPr>
+        <p:style>
+          <a:lnRef idx="1">
+            <a:schemeClr val="accent1"/>
+          </a:lnRef>
+          <a:fillRef idx="0">
+            <a:schemeClr val="accent1"/>
+          </a:fillRef>
+          <a:effectRef idx="0">
+            <a:schemeClr val="accent1"/>
+          </a:effectRef>
+          <a:fontRef idx="minor">
+            <a:schemeClr val="tx1"/>
+          </a:fontRef>
+        </p:style>
+      </p:cxnSp>
     </p:spTree>
     <p:extLst>
       <p:ext uri="{BB962C8B-B14F-4D97-AF65-F5344CB8AC3E}">
@@ -3617,6 +3660,49 @@
           </a:p>
         </p:txBody>
       </p:sp>
+      <p:cxnSp>
+        <p:nvCxnSpPr>
+          <p:cNvPr id="5" name="直線コネクタ 4">
+            <a:extLst>
+              <a:ext uri="{FF2B5EF4-FFF2-40B4-BE49-F238E27FC236}">
+                <a16:creationId xmlns:a16="http://schemas.microsoft.com/office/drawing/2014/main" id="{5B0C68A4-0EBF-4AE8-B2A7-ADB171016D65}"/>
+              </a:ext>
+            </a:extLst>
+          </p:cNvPr>
+          <p:cNvCxnSpPr>
+            <a:cxnSpLocks/>
+          </p:cNvCxnSpPr>
+          <p:nvPr/>
+        </p:nvCxnSpPr>
+        <p:spPr>
+          <a:xfrm>
+            <a:off x="628650" y="1376314"/>
+            <a:ext cx="7886700" cy="0"/>
+          </a:xfrm>
+          <a:prstGeom prst="line">
+            <a:avLst/>
+          </a:prstGeom>
+          <a:ln w="57150">
+            <a:solidFill>
+              <a:srgbClr val="FF0000"/>
+            </a:solidFill>
+          </a:ln>
+        </p:spPr>
+        <p:style>
+          <a:lnRef idx="1">
+            <a:schemeClr val="accent1"/>
+          </a:lnRef>
+          <a:fillRef idx="0">
+            <a:schemeClr val="accent1"/>
+          </a:fillRef>
+          <a:effectRef idx="0">
+            <a:schemeClr val="accent1"/>
+          </a:effectRef>
+          <a:fontRef idx="minor">
+            <a:schemeClr val="tx1"/>
+          </a:fontRef>
+        </p:style>
+      </p:cxnSp>
     </p:spTree>
     <p:extLst>
       <p:ext uri="{BB962C8B-B14F-4D97-AF65-F5344CB8AC3E}">
@@ -3697,7 +3783,7 @@
         </p:blipFill>
         <p:spPr>
           <a:xfrm>
-            <a:off x="329492" y="1448572"/>
+            <a:off x="324978" y="1514538"/>
             <a:ext cx="6043085" cy="3254453"/>
           </a:xfrm>
           <a:prstGeom prst="rect">
@@ -4098,6 +4184,49 @@
           </a:p>
         </p:txBody>
       </p:sp>
+      <p:cxnSp>
+        <p:nvCxnSpPr>
+          <p:cNvPr id="15" name="直線コネクタ 14">
+            <a:extLst>
+              <a:ext uri="{FF2B5EF4-FFF2-40B4-BE49-F238E27FC236}">
+                <a16:creationId xmlns:a16="http://schemas.microsoft.com/office/drawing/2014/main" id="{B2C75EC8-25C7-49C0-8FF7-275F7DE77F71}"/>
+              </a:ext>
+            </a:extLst>
+          </p:cNvPr>
+          <p:cNvCxnSpPr>
+            <a:cxnSpLocks/>
+          </p:cNvCxnSpPr>
+          <p:nvPr/>
+        </p:nvCxnSpPr>
+        <p:spPr>
+          <a:xfrm>
+            <a:off x="628650" y="1376314"/>
+            <a:ext cx="7886700" cy="0"/>
+          </a:xfrm>
+          <a:prstGeom prst="line">
+            <a:avLst/>
+          </a:prstGeom>
+          <a:ln w="57150">
+            <a:solidFill>
+              <a:srgbClr val="FF0000"/>
+            </a:solidFill>
+          </a:ln>
+        </p:spPr>
+        <p:style>
+          <a:lnRef idx="1">
+            <a:schemeClr val="accent1"/>
+          </a:lnRef>
+          <a:fillRef idx="0">
+            <a:schemeClr val="accent1"/>
+          </a:fillRef>
+          <a:effectRef idx="0">
+            <a:schemeClr val="accent1"/>
+          </a:effectRef>
+          <a:fontRef idx="minor">
+            <a:schemeClr val="tx1"/>
+          </a:fontRef>
+        </p:style>
+      </p:cxnSp>
     </p:spTree>
     <p:extLst>
       <p:ext uri="{BB962C8B-B14F-4D97-AF65-F5344CB8AC3E}">
@@ -4244,6 +4373,49 @@
           </a:p>
         </p:txBody>
       </p:sp>
+      <p:cxnSp>
+        <p:nvCxnSpPr>
+          <p:cNvPr id="5" name="直線コネクタ 4">
+            <a:extLst>
+              <a:ext uri="{FF2B5EF4-FFF2-40B4-BE49-F238E27FC236}">
+                <a16:creationId xmlns:a16="http://schemas.microsoft.com/office/drawing/2014/main" id="{7653DEB1-DAEE-48DE-B123-247ADD15B15C}"/>
+              </a:ext>
+            </a:extLst>
+          </p:cNvPr>
+          <p:cNvCxnSpPr>
+            <a:cxnSpLocks/>
+          </p:cNvCxnSpPr>
+          <p:nvPr/>
+        </p:nvCxnSpPr>
+        <p:spPr>
+          <a:xfrm>
+            <a:off x="628650" y="1376314"/>
+            <a:ext cx="7886700" cy="0"/>
+          </a:xfrm>
+          <a:prstGeom prst="line">
+            <a:avLst/>
+          </a:prstGeom>
+          <a:ln w="57150">
+            <a:solidFill>
+              <a:srgbClr val="FF0000"/>
+            </a:solidFill>
+          </a:ln>
+        </p:spPr>
+        <p:style>
+          <a:lnRef idx="1">
+            <a:schemeClr val="accent1"/>
+          </a:lnRef>
+          <a:fillRef idx="0">
+            <a:schemeClr val="accent1"/>
+          </a:fillRef>
+          <a:effectRef idx="0">
+            <a:schemeClr val="accent1"/>
+          </a:effectRef>
+          <a:fontRef idx="minor">
+            <a:schemeClr val="tx1"/>
+          </a:fontRef>
+        </p:style>
+      </p:cxnSp>
     </p:spTree>
     <p:extLst>
       <p:ext uri="{BB962C8B-B14F-4D97-AF65-F5344CB8AC3E}">
@@ -4332,6 +4504,49 @@
           </a:prstGeom>
         </p:spPr>
       </p:pic>
+      <p:cxnSp>
+        <p:nvCxnSpPr>
+          <p:cNvPr id="4" name="直線コネクタ 3">
+            <a:extLst>
+              <a:ext uri="{FF2B5EF4-FFF2-40B4-BE49-F238E27FC236}">
+                <a16:creationId xmlns:a16="http://schemas.microsoft.com/office/drawing/2014/main" id="{67AC2510-B869-4C2D-8869-2B43EEB9E189}"/>
+              </a:ext>
+            </a:extLst>
+          </p:cNvPr>
+          <p:cNvCxnSpPr>
+            <a:cxnSpLocks/>
+          </p:cNvCxnSpPr>
+          <p:nvPr/>
+        </p:nvCxnSpPr>
+        <p:spPr>
+          <a:xfrm>
+            <a:off x="628650" y="1376314"/>
+            <a:ext cx="7886700" cy="0"/>
+          </a:xfrm>
+          <a:prstGeom prst="line">
+            <a:avLst/>
+          </a:prstGeom>
+          <a:ln w="57150">
+            <a:solidFill>
+              <a:srgbClr val="FF0000"/>
+            </a:solidFill>
+          </a:ln>
+        </p:spPr>
+        <p:style>
+          <a:lnRef idx="1">
+            <a:schemeClr val="accent1"/>
+          </a:lnRef>
+          <a:fillRef idx="0">
+            <a:schemeClr val="accent1"/>
+          </a:fillRef>
+          <a:effectRef idx="0">
+            <a:schemeClr val="accent1"/>
+          </a:effectRef>
+          <a:fontRef idx="minor">
+            <a:schemeClr val="tx1"/>
+          </a:fontRef>
+        </p:style>
+      </p:cxnSp>
     </p:spTree>
     <p:extLst>
       <p:ext uri="{BB962C8B-B14F-4D97-AF65-F5344CB8AC3E}">
@@ -4478,6 +4693,49 @@
           </a:p>
         </p:txBody>
       </p:sp>
+      <p:cxnSp>
+        <p:nvCxnSpPr>
+          <p:cNvPr id="5" name="直線コネクタ 4">
+            <a:extLst>
+              <a:ext uri="{FF2B5EF4-FFF2-40B4-BE49-F238E27FC236}">
+                <a16:creationId xmlns:a16="http://schemas.microsoft.com/office/drawing/2014/main" id="{73CB8232-30AD-4050-A6DD-F11A7F4CDA4C}"/>
+              </a:ext>
+            </a:extLst>
+          </p:cNvPr>
+          <p:cNvCxnSpPr>
+            <a:cxnSpLocks/>
+          </p:cNvCxnSpPr>
+          <p:nvPr/>
+        </p:nvCxnSpPr>
+        <p:spPr>
+          <a:xfrm>
+            <a:off x="628650" y="1376314"/>
+            <a:ext cx="7886700" cy="0"/>
+          </a:xfrm>
+          <a:prstGeom prst="line">
+            <a:avLst/>
+          </a:prstGeom>
+          <a:ln w="57150">
+            <a:solidFill>
+              <a:srgbClr val="FF0000"/>
+            </a:solidFill>
+          </a:ln>
+        </p:spPr>
+        <p:style>
+          <a:lnRef idx="1">
+            <a:schemeClr val="accent1"/>
+          </a:lnRef>
+          <a:fillRef idx="0">
+            <a:schemeClr val="accent1"/>
+          </a:fillRef>
+          <a:effectRef idx="0">
+            <a:schemeClr val="accent1"/>
+          </a:effectRef>
+          <a:fontRef idx="minor">
+            <a:schemeClr val="tx1"/>
+          </a:fontRef>
+        </p:style>
+      </p:cxnSp>
     </p:spTree>
     <p:extLst>
       <p:ext uri="{BB962C8B-B14F-4D97-AF65-F5344CB8AC3E}">
@@ -6168,6 +6426,49 @@
           </p:txBody>
         </p:sp>
       </p:grpSp>
+      <p:cxnSp>
+        <p:nvCxnSpPr>
+          <p:cNvPr id="46" name="直線コネクタ 45">
+            <a:extLst>
+              <a:ext uri="{FF2B5EF4-FFF2-40B4-BE49-F238E27FC236}">
+                <a16:creationId xmlns:a16="http://schemas.microsoft.com/office/drawing/2014/main" id="{AE8228F0-490D-48EE-930D-A82122889657}"/>
+              </a:ext>
+            </a:extLst>
+          </p:cNvPr>
+          <p:cNvCxnSpPr>
+            <a:cxnSpLocks/>
+          </p:cNvCxnSpPr>
+          <p:nvPr/>
+        </p:nvCxnSpPr>
+        <p:spPr>
+          <a:xfrm>
+            <a:off x="628650" y="1376314"/>
+            <a:ext cx="7886700" cy="0"/>
+          </a:xfrm>
+          <a:prstGeom prst="line">
+            <a:avLst/>
+          </a:prstGeom>
+          <a:ln w="57150">
+            <a:solidFill>
+              <a:srgbClr val="FF0000"/>
+            </a:solidFill>
+          </a:ln>
+        </p:spPr>
+        <p:style>
+          <a:lnRef idx="1">
+            <a:schemeClr val="accent1"/>
+          </a:lnRef>
+          <a:fillRef idx="0">
+            <a:schemeClr val="accent1"/>
+          </a:fillRef>
+          <a:effectRef idx="0">
+            <a:schemeClr val="accent1"/>
+          </a:effectRef>
+          <a:fontRef idx="minor">
+            <a:schemeClr val="tx1"/>
+          </a:fontRef>
+        </p:style>
+      </p:cxnSp>
     </p:spTree>
     <p:extLst>
       <p:ext uri="{BB962C8B-B14F-4D97-AF65-F5344CB8AC3E}">
@@ -6314,6 +6615,49 @@
           </a:p>
         </p:txBody>
       </p:sp>
+      <p:cxnSp>
+        <p:nvCxnSpPr>
+          <p:cNvPr id="5" name="直線コネクタ 4">
+            <a:extLst>
+              <a:ext uri="{FF2B5EF4-FFF2-40B4-BE49-F238E27FC236}">
+                <a16:creationId xmlns:a16="http://schemas.microsoft.com/office/drawing/2014/main" id="{070CF025-4DE2-4367-9342-D7893B0B16C9}"/>
+              </a:ext>
+            </a:extLst>
+          </p:cNvPr>
+          <p:cNvCxnSpPr>
+            <a:cxnSpLocks/>
+          </p:cNvCxnSpPr>
+          <p:nvPr/>
+        </p:nvCxnSpPr>
+        <p:spPr>
+          <a:xfrm>
+            <a:off x="628650" y="1376314"/>
+            <a:ext cx="7886700" cy="0"/>
+          </a:xfrm>
+          <a:prstGeom prst="line">
+            <a:avLst/>
+          </a:prstGeom>
+          <a:ln w="57150">
+            <a:solidFill>
+              <a:srgbClr val="FF0000"/>
+            </a:solidFill>
+          </a:ln>
+        </p:spPr>
+        <p:style>
+          <a:lnRef idx="1">
+            <a:schemeClr val="accent1"/>
+          </a:lnRef>
+          <a:fillRef idx="0">
+            <a:schemeClr val="accent1"/>
+          </a:fillRef>
+          <a:effectRef idx="0">
+            <a:schemeClr val="accent1"/>
+          </a:effectRef>
+          <a:fontRef idx="minor">
+            <a:schemeClr val="tx1"/>
+          </a:fontRef>
+        </p:style>
+      </p:cxnSp>
     </p:spTree>
     <p:extLst>
       <p:ext uri="{BB962C8B-B14F-4D97-AF65-F5344CB8AC3E}">
@@ -6402,6 +6746,49 @@
           </a:prstGeom>
         </p:spPr>
       </p:pic>
+      <p:cxnSp>
+        <p:nvCxnSpPr>
+          <p:cNvPr id="4" name="直線コネクタ 3">
+            <a:extLst>
+              <a:ext uri="{FF2B5EF4-FFF2-40B4-BE49-F238E27FC236}">
+                <a16:creationId xmlns:a16="http://schemas.microsoft.com/office/drawing/2014/main" id="{8C657F8C-3F03-403C-A604-D606EF3AC3EA}"/>
+              </a:ext>
+            </a:extLst>
+          </p:cNvPr>
+          <p:cNvCxnSpPr>
+            <a:cxnSpLocks/>
+          </p:cNvCxnSpPr>
+          <p:nvPr/>
+        </p:nvCxnSpPr>
+        <p:spPr>
+          <a:xfrm>
+            <a:off x="628650" y="1376314"/>
+            <a:ext cx="7886700" cy="0"/>
+          </a:xfrm>
+          <a:prstGeom prst="line">
+            <a:avLst/>
+          </a:prstGeom>
+          <a:ln w="57150">
+            <a:solidFill>
+              <a:srgbClr val="FF0000"/>
+            </a:solidFill>
+          </a:ln>
+        </p:spPr>
+        <p:style>
+          <a:lnRef idx="1">
+            <a:schemeClr val="accent1"/>
+          </a:lnRef>
+          <a:fillRef idx="0">
+            <a:schemeClr val="accent1"/>
+          </a:fillRef>
+          <a:effectRef idx="0">
+            <a:schemeClr val="accent1"/>
+          </a:effectRef>
+          <a:fontRef idx="minor">
+            <a:schemeClr val="tx1"/>
+          </a:fontRef>
+        </p:style>
+      </p:cxnSp>
     </p:spTree>
     <p:extLst>
       <p:ext uri="{BB962C8B-B14F-4D97-AF65-F5344CB8AC3E}">
@@ -6548,6 +6935,49 @@
           </a:p>
         </p:txBody>
       </p:sp>
+      <p:cxnSp>
+        <p:nvCxnSpPr>
+          <p:cNvPr id="5" name="直線コネクタ 4">
+            <a:extLst>
+              <a:ext uri="{FF2B5EF4-FFF2-40B4-BE49-F238E27FC236}">
+                <a16:creationId xmlns:a16="http://schemas.microsoft.com/office/drawing/2014/main" id="{A5230013-4FDB-48F3-A22B-919FC13D3A50}"/>
+              </a:ext>
+            </a:extLst>
+          </p:cNvPr>
+          <p:cNvCxnSpPr>
+            <a:cxnSpLocks/>
+          </p:cNvCxnSpPr>
+          <p:nvPr/>
+        </p:nvCxnSpPr>
+        <p:spPr>
+          <a:xfrm>
+            <a:off x="628650" y="1376314"/>
+            <a:ext cx="7886700" cy="0"/>
+          </a:xfrm>
+          <a:prstGeom prst="line">
+            <a:avLst/>
+          </a:prstGeom>
+          <a:ln w="57150">
+            <a:solidFill>
+              <a:srgbClr val="FF0000"/>
+            </a:solidFill>
+          </a:ln>
+        </p:spPr>
+        <p:style>
+          <a:lnRef idx="1">
+            <a:schemeClr val="accent1"/>
+          </a:lnRef>
+          <a:fillRef idx="0">
+            <a:schemeClr val="accent1"/>
+          </a:fillRef>
+          <a:effectRef idx="0">
+            <a:schemeClr val="accent1"/>
+          </a:effectRef>
+          <a:fontRef idx="minor">
+            <a:schemeClr val="tx1"/>
+          </a:fontRef>
+        </p:style>
+      </p:cxnSp>
     </p:spTree>
     <p:extLst>
       <p:ext uri="{BB962C8B-B14F-4D97-AF65-F5344CB8AC3E}">
@@ -6624,7 +7054,7 @@
         </p:nvSpPr>
         <p:spPr>
           <a:xfrm>
-            <a:off x="628650" y="2818614"/>
+            <a:off x="628650" y="1919508"/>
             <a:ext cx="7886700" cy="3018984"/>
           </a:xfrm>
         </p:spPr>
@@ -6666,6 +7096,49 @@
           </a:p>
         </p:txBody>
       </p:sp>
+      <p:cxnSp>
+        <p:nvCxnSpPr>
+          <p:cNvPr id="5" name="直線コネクタ 4">
+            <a:extLst>
+              <a:ext uri="{FF2B5EF4-FFF2-40B4-BE49-F238E27FC236}">
+                <a16:creationId xmlns:a16="http://schemas.microsoft.com/office/drawing/2014/main" id="{FDDC0D08-2D85-49B3-939C-6282B2600CB3}"/>
+              </a:ext>
+            </a:extLst>
+          </p:cNvPr>
+          <p:cNvCxnSpPr>
+            <a:cxnSpLocks/>
+          </p:cNvCxnSpPr>
+          <p:nvPr/>
+        </p:nvCxnSpPr>
+        <p:spPr>
+          <a:xfrm>
+            <a:off x="628650" y="1376314"/>
+            <a:ext cx="7886700" cy="0"/>
+          </a:xfrm>
+          <a:prstGeom prst="line">
+            <a:avLst/>
+          </a:prstGeom>
+          <a:ln w="57150">
+            <a:solidFill>
+              <a:srgbClr val="FF0000"/>
+            </a:solidFill>
+          </a:ln>
+        </p:spPr>
+        <p:style>
+          <a:lnRef idx="1">
+            <a:schemeClr val="accent1"/>
+          </a:lnRef>
+          <a:fillRef idx="0">
+            <a:schemeClr val="accent1"/>
+          </a:fillRef>
+          <a:effectRef idx="0">
+            <a:schemeClr val="accent1"/>
+          </a:effectRef>
+          <a:fontRef idx="minor">
+            <a:schemeClr val="tx1"/>
+          </a:fontRef>
+        </p:style>
+      </p:cxnSp>
     </p:spTree>
     <p:extLst>
       <p:ext uri="{BB962C8B-B14F-4D97-AF65-F5344CB8AC3E}">
@@ -6724,36 +7197,79 @@
           </a:p>
         </p:txBody>
       </p:sp>
-      <p:sp>
-        <p:nvSpPr>
-          <p:cNvPr id="3" name="コンテンツ プレースホルダー 2">
+      <p:pic>
+        <p:nvPicPr>
+          <p:cNvPr id="7" name="図 6">
             <a:extLst>
               <a:ext uri="{FF2B5EF4-FFF2-40B4-BE49-F238E27FC236}">
-                <a16:creationId xmlns:a16="http://schemas.microsoft.com/office/drawing/2014/main" id="{E2B9E5BF-E5AA-4C74-84D6-1C2310651057}"/>
+                <a16:creationId xmlns:a16="http://schemas.microsoft.com/office/drawing/2014/main" id="{DBE90867-39D8-42C3-8566-F75F03A299E2}"/>
               </a:ext>
             </a:extLst>
           </p:cNvPr>
-          <p:cNvSpPr>
-            <a:spLocks noGrp="1"/>
-          </p:cNvSpPr>
-          <p:nvPr>
-            <p:ph idx="1"/>
-          </p:nvPr>
-        </p:nvSpPr>
+          <p:cNvPicPr>
+            <a:picLocks noChangeAspect="1"/>
+          </p:cNvPicPr>
+          <p:nvPr/>
+        </p:nvPicPr>
+        <p:blipFill>
+          <a:blip r:embed="rId2"/>
+          <a:stretch>
+            <a:fillRect/>
+          </a:stretch>
+        </p:blipFill>
         <p:spPr>
           <a:xfrm>
-            <a:off x="628650" y="1529292"/>
-            <a:ext cx="7886700" cy="4351338"/>
-          </a:xfrm>
+            <a:off x="809875" y="1793054"/>
+            <a:ext cx="7524250" cy="4190968"/>
+          </a:xfrm>
+          <a:prstGeom prst="rect">
+            <a:avLst/>
+          </a:prstGeom>
         </p:spPr>
-        <p:txBody>
-          <a:bodyPr/>
-          <a:lstStyle/>
-          <a:p>
-            <a:endParaRPr kumimoji="1" lang="ja-JP" altLang="en-US" dirty="0"/>
-          </a:p>
-        </p:txBody>
-      </p:sp>
+      </p:pic>
+      <p:cxnSp>
+        <p:nvCxnSpPr>
+          <p:cNvPr id="8" name="直線コネクタ 7">
+            <a:extLst>
+              <a:ext uri="{FF2B5EF4-FFF2-40B4-BE49-F238E27FC236}">
+                <a16:creationId xmlns:a16="http://schemas.microsoft.com/office/drawing/2014/main" id="{5AF899C7-1741-4194-A05D-D5729B34F54E}"/>
+              </a:ext>
+            </a:extLst>
+          </p:cNvPr>
+          <p:cNvCxnSpPr>
+            <a:cxnSpLocks/>
+          </p:cNvCxnSpPr>
+          <p:nvPr/>
+        </p:nvCxnSpPr>
+        <p:spPr>
+          <a:xfrm>
+            <a:off x="628650" y="1376314"/>
+            <a:ext cx="7886700" cy="0"/>
+          </a:xfrm>
+          <a:prstGeom prst="line">
+            <a:avLst/>
+          </a:prstGeom>
+          <a:ln w="57150">
+            <a:solidFill>
+              <a:srgbClr val="FF0000"/>
+            </a:solidFill>
+          </a:ln>
+        </p:spPr>
+        <p:style>
+          <a:lnRef idx="1">
+            <a:schemeClr val="accent1"/>
+          </a:lnRef>
+          <a:fillRef idx="0">
+            <a:schemeClr val="accent1"/>
+          </a:fillRef>
+          <a:effectRef idx="0">
+            <a:schemeClr val="accent1"/>
+          </a:effectRef>
+          <a:fontRef idx="minor">
+            <a:schemeClr val="tx1"/>
+          </a:fontRef>
+        </p:style>
+      </p:cxnSp>
     </p:spTree>
     <p:extLst>
       <p:ext uri="{BB962C8B-B14F-4D97-AF65-F5344CB8AC3E}">
@@ -6852,6 +7368,49 @@
           </a:p>
         </p:txBody>
       </p:sp>
+      <p:cxnSp>
+        <p:nvCxnSpPr>
+          <p:cNvPr id="4" name="直線コネクタ 3">
+            <a:extLst>
+              <a:ext uri="{FF2B5EF4-FFF2-40B4-BE49-F238E27FC236}">
+                <a16:creationId xmlns:a16="http://schemas.microsoft.com/office/drawing/2014/main" id="{FB3613B5-AB18-407B-90FA-EACC4396386B}"/>
+              </a:ext>
+            </a:extLst>
+          </p:cNvPr>
+          <p:cNvCxnSpPr>
+            <a:cxnSpLocks/>
+          </p:cNvCxnSpPr>
+          <p:nvPr/>
+        </p:nvCxnSpPr>
+        <p:spPr>
+          <a:xfrm>
+            <a:off x="628650" y="1376314"/>
+            <a:ext cx="7886700" cy="0"/>
+          </a:xfrm>
+          <a:prstGeom prst="line">
+            <a:avLst/>
+          </a:prstGeom>
+          <a:ln w="57150">
+            <a:solidFill>
+              <a:srgbClr val="FF0000"/>
+            </a:solidFill>
+          </a:ln>
+        </p:spPr>
+        <p:style>
+          <a:lnRef idx="1">
+            <a:schemeClr val="accent1"/>
+          </a:lnRef>
+          <a:fillRef idx="0">
+            <a:schemeClr val="accent1"/>
+          </a:fillRef>
+          <a:effectRef idx="0">
+            <a:schemeClr val="accent1"/>
+          </a:effectRef>
+          <a:fontRef idx="minor">
+            <a:schemeClr val="tx1"/>
+          </a:fontRef>
+        </p:style>
+      </p:cxnSp>
     </p:spTree>
     <p:extLst>
       <p:ext uri="{BB962C8B-B14F-4D97-AF65-F5344CB8AC3E}">
@@ -6935,6 +7494,49 @@
           </a:p>
         </p:txBody>
       </p:sp>
+      <p:cxnSp>
+        <p:nvCxnSpPr>
+          <p:cNvPr id="4" name="直線コネクタ 3">
+            <a:extLst>
+              <a:ext uri="{FF2B5EF4-FFF2-40B4-BE49-F238E27FC236}">
+                <a16:creationId xmlns:a16="http://schemas.microsoft.com/office/drawing/2014/main" id="{F6E79062-3FB6-451B-BD02-9F97664CE448}"/>
+              </a:ext>
+            </a:extLst>
+          </p:cNvPr>
+          <p:cNvCxnSpPr>
+            <a:cxnSpLocks/>
+          </p:cNvCxnSpPr>
+          <p:nvPr/>
+        </p:nvCxnSpPr>
+        <p:spPr>
+          <a:xfrm>
+            <a:off x="628650" y="1376314"/>
+            <a:ext cx="7886700" cy="0"/>
+          </a:xfrm>
+          <a:prstGeom prst="line">
+            <a:avLst/>
+          </a:prstGeom>
+          <a:ln w="57150">
+            <a:solidFill>
+              <a:srgbClr val="FF0000"/>
+            </a:solidFill>
+          </a:ln>
+        </p:spPr>
+        <p:style>
+          <a:lnRef idx="1">
+            <a:schemeClr val="accent1"/>
+          </a:lnRef>
+          <a:fillRef idx="0">
+            <a:schemeClr val="accent1"/>
+          </a:fillRef>
+          <a:effectRef idx="0">
+            <a:schemeClr val="accent1"/>
+          </a:effectRef>
+          <a:fontRef idx="minor">
+            <a:schemeClr val="tx1"/>
+          </a:fontRef>
+        </p:style>
+      </p:cxnSp>
     </p:spTree>
     <p:extLst>
       <p:ext uri="{BB962C8B-B14F-4D97-AF65-F5344CB8AC3E}">
@@ -7155,6 +7757,49 @@
           </a:prstGeom>
         </p:spPr>
       </p:pic>
+      <p:cxnSp>
+        <p:nvCxnSpPr>
+          <p:cNvPr id="6" name="直線コネクタ 5">
+            <a:extLst>
+              <a:ext uri="{FF2B5EF4-FFF2-40B4-BE49-F238E27FC236}">
+                <a16:creationId xmlns:a16="http://schemas.microsoft.com/office/drawing/2014/main" id="{ECCF2666-BF51-4B29-A50E-FB812F77B20A}"/>
+              </a:ext>
+            </a:extLst>
+          </p:cNvPr>
+          <p:cNvCxnSpPr>
+            <a:cxnSpLocks/>
+          </p:cNvCxnSpPr>
+          <p:nvPr/>
+        </p:nvCxnSpPr>
+        <p:spPr>
+          <a:xfrm>
+            <a:off x="628650" y="1376314"/>
+            <a:ext cx="7886700" cy="0"/>
+          </a:xfrm>
+          <a:prstGeom prst="line">
+            <a:avLst/>
+          </a:prstGeom>
+          <a:ln w="57150">
+            <a:solidFill>
+              <a:srgbClr val="FF0000"/>
+            </a:solidFill>
+          </a:ln>
+        </p:spPr>
+        <p:style>
+          <a:lnRef idx="1">
+            <a:schemeClr val="accent1"/>
+          </a:lnRef>
+          <a:fillRef idx="0">
+            <a:schemeClr val="accent1"/>
+          </a:fillRef>
+          <a:effectRef idx="0">
+            <a:schemeClr val="accent1"/>
+          </a:effectRef>
+          <a:fontRef idx="minor">
+            <a:schemeClr val="tx1"/>
+          </a:fontRef>
+        </p:style>
+      </p:cxnSp>
     </p:spTree>
     <p:extLst>
       <p:ext uri="{BB962C8B-B14F-4D97-AF65-F5344CB8AC3E}">
@@ -7243,6 +7888,49 @@
           </a:p>
         </p:txBody>
       </p:sp>
+      <p:cxnSp>
+        <p:nvCxnSpPr>
+          <p:cNvPr id="4" name="直線コネクタ 3">
+            <a:extLst>
+              <a:ext uri="{FF2B5EF4-FFF2-40B4-BE49-F238E27FC236}">
+                <a16:creationId xmlns:a16="http://schemas.microsoft.com/office/drawing/2014/main" id="{2D86A118-ADD6-43A6-A671-BB498855DBFB}"/>
+              </a:ext>
+            </a:extLst>
+          </p:cNvPr>
+          <p:cNvCxnSpPr>
+            <a:cxnSpLocks/>
+          </p:cNvCxnSpPr>
+          <p:nvPr/>
+        </p:nvCxnSpPr>
+        <p:spPr>
+          <a:xfrm>
+            <a:off x="628650" y="1376314"/>
+            <a:ext cx="7886700" cy="0"/>
+          </a:xfrm>
+          <a:prstGeom prst="line">
+            <a:avLst/>
+          </a:prstGeom>
+          <a:ln w="57150">
+            <a:solidFill>
+              <a:srgbClr val="FF0000"/>
+            </a:solidFill>
+          </a:ln>
+        </p:spPr>
+        <p:style>
+          <a:lnRef idx="1">
+            <a:schemeClr val="accent1"/>
+          </a:lnRef>
+          <a:fillRef idx="0">
+            <a:schemeClr val="accent1"/>
+          </a:fillRef>
+          <a:effectRef idx="0">
+            <a:schemeClr val="accent1"/>
+          </a:effectRef>
+          <a:fontRef idx="minor">
+            <a:schemeClr val="tx1"/>
+          </a:fontRef>
+        </p:style>
+      </p:cxnSp>
     </p:spTree>
     <p:extLst>
       <p:ext uri="{BB962C8B-B14F-4D97-AF65-F5344CB8AC3E}">
@@ -7850,6 +8538,49 @@
           </a:p>
         </p:txBody>
       </p:sp>
+      <p:cxnSp>
+        <p:nvCxnSpPr>
+          <p:cNvPr id="7" name="直線コネクタ 6">
+            <a:extLst>
+              <a:ext uri="{FF2B5EF4-FFF2-40B4-BE49-F238E27FC236}">
+                <a16:creationId xmlns:a16="http://schemas.microsoft.com/office/drawing/2014/main" id="{B9A08444-0484-4217-8398-326FD3C2BA14}"/>
+              </a:ext>
+            </a:extLst>
+          </p:cNvPr>
+          <p:cNvCxnSpPr>
+            <a:cxnSpLocks/>
+          </p:cNvCxnSpPr>
+          <p:nvPr/>
+        </p:nvCxnSpPr>
+        <p:spPr>
+          <a:xfrm>
+            <a:off x="628650" y="1376314"/>
+            <a:ext cx="7886700" cy="0"/>
+          </a:xfrm>
+          <a:prstGeom prst="line">
+            <a:avLst/>
+          </a:prstGeom>
+          <a:ln w="57150">
+            <a:solidFill>
+              <a:srgbClr val="FF0000"/>
+            </a:solidFill>
+          </a:ln>
+        </p:spPr>
+        <p:style>
+          <a:lnRef idx="1">
+            <a:schemeClr val="accent1"/>
+          </a:lnRef>
+          <a:fillRef idx="0">
+            <a:schemeClr val="accent1"/>
+          </a:fillRef>
+          <a:effectRef idx="0">
+            <a:schemeClr val="accent1"/>
+          </a:effectRef>
+          <a:fontRef idx="minor">
+            <a:schemeClr val="tx1"/>
+          </a:fontRef>
+        </p:style>
+      </p:cxnSp>
     </p:spTree>
     <p:extLst>
       <p:ext uri="{BB962C8B-B14F-4D97-AF65-F5344CB8AC3E}">
@@ -8682,6 +9413,49 @@
           </a:prstGeom>
         </p:spPr>
       </p:pic>
+      <p:cxnSp>
+        <p:nvCxnSpPr>
+          <p:cNvPr id="13" name="直線コネクタ 12">
+            <a:extLst>
+              <a:ext uri="{FF2B5EF4-FFF2-40B4-BE49-F238E27FC236}">
+                <a16:creationId xmlns:a16="http://schemas.microsoft.com/office/drawing/2014/main" id="{B2FD0494-C372-45A0-974C-D5A07251E552}"/>
+              </a:ext>
+            </a:extLst>
+          </p:cNvPr>
+          <p:cNvCxnSpPr>
+            <a:cxnSpLocks/>
+          </p:cNvCxnSpPr>
+          <p:nvPr/>
+        </p:nvCxnSpPr>
+        <p:spPr>
+          <a:xfrm>
+            <a:off x="628650" y="1376314"/>
+            <a:ext cx="7886700" cy="0"/>
+          </a:xfrm>
+          <a:prstGeom prst="line">
+            <a:avLst/>
+          </a:prstGeom>
+          <a:ln w="57150">
+            <a:solidFill>
+              <a:srgbClr val="FF0000"/>
+            </a:solidFill>
+          </a:ln>
+        </p:spPr>
+        <p:style>
+          <a:lnRef idx="1">
+            <a:schemeClr val="accent1"/>
+          </a:lnRef>
+          <a:fillRef idx="0">
+            <a:schemeClr val="accent1"/>
+          </a:fillRef>
+          <a:effectRef idx="0">
+            <a:schemeClr val="accent1"/>
+          </a:effectRef>
+          <a:fontRef idx="minor">
+            <a:schemeClr val="tx1"/>
+          </a:fontRef>
+        </p:style>
+      </p:cxnSp>
     </p:spTree>
     <p:extLst>
       <p:ext uri="{BB962C8B-B14F-4D97-AF65-F5344CB8AC3E}">
@@ -8692,13 +9466,13 @@
   <p:clrMapOvr>
     <a:masterClrMapping/>
   </p:clrMapOvr>
-  <mc:AlternateContent xmlns:mc="http://schemas.openxmlformats.org/markup-compatibility/2006">
-    <mc:Choice xmlns:p159="http://schemas.microsoft.com/office/powerpoint/2015/09/main" Requires="p159">
+  <mc:AlternateContent xmlns:mc="http://schemas.openxmlformats.org/markup-compatibility/2006" xmlns:p159="http://schemas.microsoft.com/office/powerpoint/2015/09/main">
+    <mc:Choice Requires="p159">
       <p:transition xmlns:p14="http://schemas.microsoft.com/office/powerpoint/2010/main" spd="slow" p14:dur="2000">
         <p159:morph option="byObject"/>
       </p:transition>
     </mc:Choice>
-    <mc:Fallback>
+    <mc:Fallback xmlns="">
       <p:transition spd="slow">
         <p:fade/>
       </p:transition>
@@ -9578,6 +10352,49 @@
           </a:prstGeom>
         </p:spPr>
       </p:pic>
+      <p:cxnSp>
+        <p:nvCxnSpPr>
+          <p:cNvPr id="14" name="直線コネクタ 13">
+            <a:extLst>
+              <a:ext uri="{FF2B5EF4-FFF2-40B4-BE49-F238E27FC236}">
+                <a16:creationId xmlns:a16="http://schemas.microsoft.com/office/drawing/2014/main" id="{D9984689-BEB5-4E57-A8B7-51982619F7AE}"/>
+              </a:ext>
+            </a:extLst>
+          </p:cNvPr>
+          <p:cNvCxnSpPr>
+            <a:cxnSpLocks/>
+          </p:cNvCxnSpPr>
+          <p:nvPr/>
+        </p:nvCxnSpPr>
+        <p:spPr>
+          <a:xfrm>
+            <a:off x="628650" y="1376314"/>
+            <a:ext cx="7886700" cy="0"/>
+          </a:xfrm>
+          <a:prstGeom prst="line">
+            <a:avLst/>
+          </a:prstGeom>
+          <a:ln w="57150">
+            <a:solidFill>
+              <a:srgbClr val="FF0000"/>
+            </a:solidFill>
+          </a:ln>
+        </p:spPr>
+        <p:style>
+          <a:lnRef idx="1">
+            <a:schemeClr val="accent1"/>
+          </a:lnRef>
+          <a:fillRef idx="0">
+            <a:schemeClr val="accent1"/>
+          </a:fillRef>
+          <a:effectRef idx="0">
+            <a:schemeClr val="accent1"/>
+          </a:effectRef>
+          <a:fontRef idx="minor">
+            <a:schemeClr val="tx1"/>
+          </a:fontRef>
+        </p:style>
+      </p:cxnSp>
     </p:spTree>
     <p:extLst>
       <p:ext uri="{BB962C8B-B14F-4D97-AF65-F5344CB8AC3E}">
@@ -9588,13 +10405,13 @@
   <p:clrMapOvr>
     <a:masterClrMapping/>
   </p:clrMapOvr>
-  <mc:AlternateContent xmlns:mc="http://schemas.openxmlformats.org/markup-compatibility/2006">
-    <mc:Choice xmlns:p159="http://schemas.microsoft.com/office/powerpoint/2015/09/main" Requires="p159">
+  <mc:AlternateContent xmlns:mc="http://schemas.openxmlformats.org/markup-compatibility/2006" xmlns:p159="http://schemas.microsoft.com/office/powerpoint/2015/09/main">
+    <mc:Choice Requires="p159">
       <p:transition xmlns:p14="http://schemas.microsoft.com/office/powerpoint/2010/main" spd="slow" p14:dur="2000">
         <p159:morph option="byObject"/>
       </p:transition>
     </mc:Choice>
-    <mc:Fallback>
+    <mc:Fallback xmlns="">
       <p:transition spd="slow">
         <p:fade/>
       </p:transition>
@@ -9674,6 +10491,49 @@
           </a:p>
         </p:txBody>
       </p:sp>
+      <p:cxnSp>
+        <p:nvCxnSpPr>
+          <p:cNvPr id="4" name="直線コネクタ 3">
+            <a:extLst>
+              <a:ext uri="{FF2B5EF4-FFF2-40B4-BE49-F238E27FC236}">
+                <a16:creationId xmlns:a16="http://schemas.microsoft.com/office/drawing/2014/main" id="{EF1DE42C-D782-4E03-9350-58B90203EA1E}"/>
+              </a:ext>
+            </a:extLst>
+          </p:cNvPr>
+          <p:cNvCxnSpPr>
+            <a:cxnSpLocks/>
+          </p:cNvCxnSpPr>
+          <p:nvPr/>
+        </p:nvCxnSpPr>
+        <p:spPr>
+          <a:xfrm>
+            <a:off x="628650" y="1376314"/>
+            <a:ext cx="7886700" cy="0"/>
+          </a:xfrm>
+          <a:prstGeom prst="line">
+            <a:avLst/>
+          </a:prstGeom>
+          <a:ln w="57150">
+            <a:solidFill>
+              <a:srgbClr val="FF0000"/>
+            </a:solidFill>
+          </a:ln>
+        </p:spPr>
+        <p:style>
+          <a:lnRef idx="1">
+            <a:schemeClr val="accent1"/>
+          </a:lnRef>
+          <a:fillRef idx="0">
+            <a:schemeClr val="accent1"/>
+          </a:fillRef>
+          <a:effectRef idx="0">
+            <a:schemeClr val="accent1"/>
+          </a:effectRef>
+          <a:fontRef idx="minor">
+            <a:schemeClr val="tx1"/>
+          </a:fontRef>
+        </p:style>
+      </p:cxnSp>
     </p:spTree>
     <p:extLst>
       <p:ext uri="{BB962C8B-B14F-4D97-AF65-F5344CB8AC3E}">
